--- a/ProjectoAplicacionesIIReparado/DocumentaciónYVideo/CICLO DE VIDA DEL SOFTWARE.pptx
+++ b/ProjectoAplicacionesIIReparado/DocumentaciónYVideo/CICLO DE VIDA DEL SOFTWARE.pptx
@@ -16,8 +16,8 @@
     <p:sldId id="264" r:id="rId10"/>
     <p:sldId id="265" r:id="rId11"/>
     <p:sldId id="266" r:id="rId12"/>
-    <p:sldId id="267" r:id="rId13"/>
-    <p:sldId id="268" r:id="rId14"/>
+    <p:sldId id="268" r:id="rId13"/>
+    <p:sldId id="267" r:id="rId14"/>
     <p:sldId id="269" r:id="rId15"/>
   </p:sldIdLst>
   <p:sldSz cx="12192000" cy="6858000"/>
@@ -127,6 +127,373 @@
 
 <file path=ppt/changesInfos/changesInfo1.xml><?xml version="1.0" encoding="utf-8"?>
 <pc:chgInfo xmlns:a="http://schemas.openxmlformats.org/drawingml/2006/main" xmlns:r="http://schemas.openxmlformats.org/officeDocument/2006/relationships" xmlns:ac="http://schemas.microsoft.com/office/drawing/2013/main/command" xmlns:pc="http://schemas.microsoft.com/office/powerpoint/2013/main/command">
+  <pc:docChgLst>
+    <pc:chgData name="duvan cifuentes" userId="ef02b632568d56f4" providerId="LiveId" clId="{E9EA4829-C9B8-42D8-8B0F-E06711ECB8B4}"/>
+    <pc:docChg chg="custSel addSld delSld modSld sldOrd">
+      <pc:chgData name="duvan cifuentes" userId="ef02b632568d56f4" providerId="LiveId" clId="{E9EA4829-C9B8-42D8-8B0F-E06711ECB8B4}" dt="2021-07-01T17:51:32.191" v="484"/>
+      <pc:docMkLst>
+        <pc:docMk/>
+      </pc:docMkLst>
+      <pc:sldChg chg="modSp mod">
+        <pc:chgData name="duvan cifuentes" userId="ef02b632568d56f4" providerId="LiveId" clId="{E9EA4829-C9B8-42D8-8B0F-E06711ECB8B4}" dt="2021-07-01T02:09:22.812" v="135" actId="313"/>
+        <pc:sldMkLst>
+          <pc:docMk/>
+          <pc:sldMk cId="781176656" sldId="256"/>
+        </pc:sldMkLst>
+        <pc:spChg chg="mod">
+          <ac:chgData name="duvan cifuentes" userId="ef02b632568d56f4" providerId="LiveId" clId="{E9EA4829-C9B8-42D8-8B0F-E06711ECB8B4}" dt="2021-07-01T02:09:22.812" v="135" actId="313"/>
+          <ac:spMkLst>
+            <pc:docMk/>
+            <pc:sldMk cId="781176656" sldId="256"/>
+            <ac:spMk id="3" creationId="{A08F9554-9748-45FE-82B0-C23394934544}"/>
+          </ac:spMkLst>
+        </pc:spChg>
+      </pc:sldChg>
+      <pc:sldChg chg="modSp mod">
+        <pc:chgData name="duvan cifuentes" userId="ef02b632568d56f4" providerId="LiveId" clId="{E9EA4829-C9B8-42D8-8B0F-E06711ECB8B4}" dt="2021-07-01T02:11:55.273" v="277" actId="313"/>
+        <pc:sldMkLst>
+          <pc:docMk/>
+          <pc:sldMk cId="2742635758" sldId="257"/>
+        </pc:sldMkLst>
+        <pc:spChg chg="mod">
+          <ac:chgData name="duvan cifuentes" userId="ef02b632568d56f4" providerId="LiveId" clId="{E9EA4829-C9B8-42D8-8B0F-E06711ECB8B4}" dt="2021-07-01T02:11:55.273" v="277" actId="313"/>
+          <ac:spMkLst>
+            <pc:docMk/>
+            <pc:sldMk cId="2742635758" sldId="257"/>
+            <ac:spMk id="3" creationId="{43D8566B-DCA1-4BB4-92A6-DAF303E5E56C}"/>
+          </ac:spMkLst>
+        </pc:spChg>
+      </pc:sldChg>
+      <pc:sldChg chg="modSp mod">
+        <pc:chgData name="duvan cifuentes" userId="ef02b632568d56f4" providerId="LiveId" clId="{E9EA4829-C9B8-42D8-8B0F-E06711ECB8B4}" dt="2021-07-01T02:00:04.999" v="31" actId="20577"/>
+        <pc:sldMkLst>
+          <pc:docMk/>
+          <pc:sldMk cId="391837392" sldId="258"/>
+        </pc:sldMkLst>
+        <pc:spChg chg="mod">
+          <ac:chgData name="duvan cifuentes" userId="ef02b632568d56f4" providerId="LiveId" clId="{E9EA4829-C9B8-42D8-8B0F-E06711ECB8B4}" dt="2021-07-01T02:00:04.999" v="31" actId="20577"/>
+          <ac:spMkLst>
+            <pc:docMk/>
+            <pc:sldMk cId="391837392" sldId="258"/>
+            <ac:spMk id="3" creationId="{CF10A608-D1CF-490D-98F5-26F2244C3067}"/>
+          </ac:spMkLst>
+        </pc:spChg>
+      </pc:sldChg>
+      <pc:sldChg chg="modSp mod">
+        <pc:chgData name="duvan cifuentes" userId="ef02b632568d56f4" providerId="LiveId" clId="{E9EA4829-C9B8-42D8-8B0F-E06711ECB8B4}" dt="2021-07-01T02:13:17.559" v="297" actId="20577"/>
+        <pc:sldMkLst>
+          <pc:docMk/>
+          <pc:sldMk cId="302779294" sldId="259"/>
+        </pc:sldMkLst>
+        <pc:spChg chg="mod">
+          <ac:chgData name="duvan cifuentes" userId="ef02b632568d56f4" providerId="LiveId" clId="{E9EA4829-C9B8-42D8-8B0F-E06711ECB8B4}" dt="2021-07-01T02:13:17.559" v="297" actId="20577"/>
+          <ac:spMkLst>
+            <pc:docMk/>
+            <pc:sldMk cId="302779294" sldId="259"/>
+            <ac:spMk id="3" creationId="{06446D8D-71DA-476B-9E73-1E0E6E2F5035}"/>
+          </ac:spMkLst>
+        </pc:spChg>
+      </pc:sldChg>
+      <pc:sldChg chg="modSp mod">
+        <pc:chgData name="duvan cifuentes" userId="ef02b632568d56f4" providerId="LiveId" clId="{E9EA4829-C9B8-42D8-8B0F-E06711ECB8B4}" dt="2021-07-01T02:14:59.720" v="433" actId="313"/>
+        <pc:sldMkLst>
+          <pc:docMk/>
+          <pc:sldMk cId="1456026989" sldId="260"/>
+        </pc:sldMkLst>
+        <pc:spChg chg="mod">
+          <ac:chgData name="duvan cifuentes" userId="ef02b632568d56f4" providerId="LiveId" clId="{E9EA4829-C9B8-42D8-8B0F-E06711ECB8B4}" dt="2021-07-01T02:14:59.720" v="433" actId="313"/>
+          <ac:spMkLst>
+            <pc:docMk/>
+            <pc:sldMk cId="1456026989" sldId="260"/>
+            <ac:spMk id="3" creationId="{EB160FDC-A04A-4D94-BAC9-80DE99448BD1}"/>
+          </ac:spMkLst>
+        </pc:spChg>
+      </pc:sldChg>
+      <pc:sldChg chg="del">
+        <pc:chgData name="duvan cifuentes" userId="ef02b632568d56f4" providerId="LiveId" clId="{E9EA4829-C9B8-42D8-8B0F-E06711ECB8B4}" dt="2021-07-01T02:00:20.322" v="32" actId="47"/>
+        <pc:sldMkLst>
+          <pc:docMk/>
+          <pc:sldMk cId="2083072863" sldId="263"/>
+        </pc:sldMkLst>
+      </pc:sldChg>
+      <pc:sldChg chg="addSp delSp modSp new mod">
+        <pc:chgData name="duvan cifuentes" userId="ef02b632568d56f4" providerId="LiveId" clId="{E9EA4829-C9B8-42D8-8B0F-E06711ECB8B4}" dt="2021-07-01T02:16:17.484" v="451"/>
+        <pc:sldMkLst>
+          <pc:docMk/>
+          <pc:sldMk cId="3364696326" sldId="263"/>
+        </pc:sldMkLst>
+        <pc:spChg chg="mod">
+          <ac:chgData name="duvan cifuentes" userId="ef02b632568d56f4" providerId="LiveId" clId="{E9EA4829-C9B8-42D8-8B0F-E06711ECB8B4}" dt="2021-07-01T02:16:08.720" v="450" actId="313"/>
+          <ac:spMkLst>
+            <pc:docMk/>
+            <pc:sldMk cId="3364696326" sldId="263"/>
+            <ac:spMk id="2" creationId="{B5FF421B-CDAD-4DDB-BADD-EE63ECAED53F}"/>
+          </ac:spMkLst>
+        </pc:spChg>
+        <pc:spChg chg="del">
+          <ac:chgData name="duvan cifuentes" userId="ef02b632568d56f4" providerId="LiveId" clId="{E9EA4829-C9B8-42D8-8B0F-E06711ECB8B4}" dt="2021-07-01T02:01:23.565" v="55" actId="931"/>
+          <ac:spMkLst>
+            <pc:docMk/>
+            <pc:sldMk cId="3364696326" sldId="263"/>
+            <ac:spMk id="3" creationId="{9F8B8CB9-33A5-4251-9593-E734760DFF85}"/>
+          </ac:spMkLst>
+        </pc:spChg>
+        <pc:spChg chg="add del mod">
+          <ac:chgData name="duvan cifuentes" userId="ef02b632568d56f4" providerId="LiveId" clId="{E9EA4829-C9B8-42D8-8B0F-E06711ECB8B4}" dt="2021-07-01T02:15:52.686" v="434"/>
+          <ac:spMkLst>
+            <pc:docMk/>
+            <pc:sldMk cId="3364696326" sldId="263"/>
+            <ac:spMk id="7" creationId="{382D1ABE-9F7B-447D-B486-6CC4C1ABB985}"/>
+          </ac:spMkLst>
+        </pc:spChg>
+        <pc:picChg chg="add del mod">
+          <ac:chgData name="duvan cifuentes" userId="ef02b632568d56f4" providerId="LiveId" clId="{E9EA4829-C9B8-42D8-8B0F-E06711ECB8B4}" dt="2021-07-01T02:02:09.006" v="62" actId="478"/>
+          <ac:picMkLst>
+            <pc:docMk/>
+            <pc:sldMk cId="3364696326" sldId="263"/>
+            <ac:picMk id="5" creationId="{D33B74A8-A244-4B3D-AFDE-F510CFA869AA}"/>
+          </ac:picMkLst>
+        </pc:picChg>
+        <pc:picChg chg="add mod">
+          <ac:chgData name="duvan cifuentes" userId="ef02b632568d56f4" providerId="LiveId" clId="{E9EA4829-C9B8-42D8-8B0F-E06711ECB8B4}" dt="2021-07-01T02:16:17.484" v="451"/>
+          <ac:picMkLst>
+            <pc:docMk/>
+            <pc:sldMk cId="3364696326" sldId="263"/>
+            <ac:picMk id="3074" creationId="{C49636AD-82DC-4371-9340-C131253AB236}"/>
+          </ac:picMkLst>
+        </pc:picChg>
+      </pc:sldChg>
+      <pc:sldChg chg="del">
+        <pc:chgData name="duvan cifuentes" userId="ef02b632568d56f4" providerId="LiveId" clId="{E9EA4829-C9B8-42D8-8B0F-E06711ECB8B4}" dt="2021-07-01T02:00:20.322" v="32" actId="47"/>
+        <pc:sldMkLst>
+          <pc:docMk/>
+          <pc:sldMk cId="1266524495" sldId="264"/>
+        </pc:sldMkLst>
+      </pc:sldChg>
+      <pc:sldChg chg="addSp delSp modSp new mod">
+        <pc:chgData name="duvan cifuentes" userId="ef02b632568d56f4" providerId="LiveId" clId="{E9EA4829-C9B8-42D8-8B0F-E06711ECB8B4}" dt="2021-07-01T02:02:47.137" v="94" actId="313"/>
+        <pc:sldMkLst>
+          <pc:docMk/>
+          <pc:sldMk cId="1526354759" sldId="264"/>
+        </pc:sldMkLst>
+        <pc:spChg chg="mod">
+          <ac:chgData name="duvan cifuentes" userId="ef02b632568d56f4" providerId="LiveId" clId="{E9EA4829-C9B8-42D8-8B0F-E06711ECB8B4}" dt="2021-07-01T02:02:47.137" v="94" actId="313"/>
+          <ac:spMkLst>
+            <pc:docMk/>
+            <pc:sldMk cId="1526354759" sldId="264"/>
+            <ac:spMk id="2" creationId="{E14D5DF3-DD7C-4DF5-AB6D-D2AC5CB24134}"/>
+          </ac:spMkLst>
+        </pc:spChg>
+        <pc:spChg chg="del">
+          <ac:chgData name="duvan cifuentes" userId="ef02b632568d56f4" providerId="LiveId" clId="{E9EA4829-C9B8-42D8-8B0F-E06711ECB8B4}" dt="2021-07-01T02:02:33.074" v="89" actId="931"/>
+          <ac:spMkLst>
+            <pc:docMk/>
+            <pc:sldMk cId="1526354759" sldId="264"/>
+            <ac:spMk id="3" creationId="{A81908A5-78FD-41F3-A966-8D1C863F1F47}"/>
+          </ac:spMkLst>
+        </pc:spChg>
+        <pc:picChg chg="add mod">
+          <ac:chgData name="duvan cifuentes" userId="ef02b632568d56f4" providerId="LiveId" clId="{E9EA4829-C9B8-42D8-8B0F-E06711ECB8B4}" dt="2021-07-01T02:02:36.936" v="91" actId="14100"/>
+          <ac:picMkLst>
+            <pc:docMk/>
+            <pc:sldMk cId="1526354759" sldId="264"/>
+            <ac:picMk id="5" creationId="{B56324CD-87D3-44CD-A345-AB0DAF179DD8}"/>
+          </ac:picMkLst>
+        </pc:picChg>
+      </pc:sldChg>
+      <pc:sldChg chg="del">
+        <pc:chgData name="duvan cifuentes" userId="ef02b632568d56f4" providerId="LiveId" clId="{E9EA4829-C9B8-42D8-8B0F-E06711ECB8B4}" dt="2021-07-01T02:00:20.322" v="32" actId="47"/>
+        <pc:sldMkLst>
+          <pc:docMk/>
+          <pc:sldMk cId="2898184250" sldId="265"/>
+        </pc:sldMkLst>
+      </pc:sldChg>
+      <pc:sldChg chg="addSp delSp modSp new mod ord">
+        <pc:chgData name="duvan cifuentes" userId="ef02b632568d56f4" providerId="LiveId" clId="{E9EA4829-C9B8-42D8-8B0F-E06711ECB8B4}" dt="2021-07-01T17:51:32.191" v="484"/>
+        <pc:sldMkLst>
+          <pc:docMk/>
+          <pc:sldMk cId="4224031898" sldId="265"/>
+        </pc:sldMkLst>
+        <pc:spChg chg="mod">
+          <ac:chgData name="duvan cifuentes" userId="ef02b632568d56f4" providerId="LiveId" clId="{E9EA4829-C9B8-42D8-8B0F-E06711ECB8B4}" dt="2021-07-01T02:06:44.766" v="122" actId="20577"/>
+          <ac:spMkLst>
+            <pc:docMk/>
+            <pc:sldMk cId="4224031898" sldId="265"/>
+            <ac:spMk id="2" creationId="{DEEC3924-8D18-4112-B1AB-688DAE64558D}"/>
+          </ac:spMkLst>
+        </pc:spChg>
+        <pc:spChg chg="del">
+          <ac:chgData name="duvan cifuentes" userId="ef02b632568d56f4" providerId="LiveId" clId="{E9EA4829-C9B8-42D8-8B0F-E06711ECB8B4}" dt="2021-07-01T02:06:34.488" v="98"/>
+          <ac:spMkLst>
+            <pc:docMk/>
+            <pc:sldMk cId="4224031898" sldId="265"/>
+            <ac:spMk id="3" creationId="{E1620A50-06C5-4F95-BEBF-A7F7C2BCC378}"/>
+          </ac:spMkLst>
+        </pc:spChg>
+        <pc:picChg chg="add mod">
+          <ac:chgData name="duvan cifuentes" userId="ef02b632568d56f4" providerId="LiveId" clId="{E9EA4829-C9B8-42D8-8B0F-E06711ECB8B4}" dt="2021-07-01T02:08:10.054" v="126" actId="1076"/>
+          <ac:picMkLst>
+            <pc:docMk/>
+            <pc:sldMk cId="4224031898" sldId="265"/>
+            <ac:picMk id="1026" creationId="{359ADE04-AD3D-405B-9D4A-3BFC7E2C44F4}"/>
+          </ac:picMkLst>
+        </pc:picChg>
+      </pc:sldChg>
+      <pc:sldChg chg="del">
+        <pc:chgData name="duvan cifuentes" userId="ef02b632568d56f4" providerId="LiveId" clId="{E9EA4829-C9B8-42D8-8B0F-E06711ECB8B4}" dt="2021-07-01T02:00:20.322" v="32" actId="47"/>
+        <pc:sldMkLst>
+          <pc:docMk/>
+          <pc:sldMk cId="2430428381" sldId="266"/>
+        </pc:sldMkLst>
+      </pc:sldChg>
+      <pc:sldChg chg="addSp delSp modSp new mod">
+        <pc:chgData name="duvan cifuentes" userId="ef02b632568d56f4" providerId="LiveId" clId="{E9EA4829-C9B8-42D8-8B0F-E06711ECB8B4}" dt="2021-07-01T02:09:12.638" v="134"/>
+        <pc:sldMkLst>
+          <pc:docMk/>
+          <pc:sldMk cId="3242803382" sldId="266"/>
+        </pc:sldMkLst>
+        <pc:spChg chg="mod">
+          <ac:chgData name="duvan cifuentes" userId="ef02b632568d56f4" providerId="LiveId" clId="{E9EA4829-C9B8-42D8-8B0F-E06711ECB8B4}" dt="2021-07-01T02:08:29.278" v="130" actId="20577"/>
+          <ac:spMkLst>
+            <pc:docMk/>
+            <pc:sldMk cId="3242803382" sldId="266"/>
+            <ac:spMk id="2" creationId="{0B074B8A-B3EC-432E-9B52-6CD5C7FD4DBB}"/>
+          </ac:spMkLst>
+        </pc:spChg>
+        <pc:spChg chg="del">
+          <ac:chgData name="duvan cifuentes" userId="ef02b632568d56f4" providerId="LiveId" clId="{E9EA4829-C9B8-42D8-8B0F-E06711ECB8B4}" dt="2021-07-01T02:09:00.644" v="131"/>
+          <ac:spMkLst>
+            <pc:docMk/>
+            <pc:sldMk cId="3242803382" sldId="266"/>
+            <ac:spMk id="3" creationId="{083667A5-8D1C-4E14-A609-662E2893976D}"/>
+          </ac:spMkLst>
+        </pc:spChg>
+        <pc:picChg chg="add mod">
+          <ac:chgData name="duvan cifuentes" userId="ef02b632568d56f4" providerId="LiveId" clId="{E9EA4829-C9B8-42D8-8B0F-E06711ECB8B4}" dt="2021-07-01T02:09:12.638" v="134"/>
+          <ac:picMkLst>
+            <pc:docMk/>
+            <pc:sldMk cId="3242803382" sldId="266"/>
+            <ac:picMk id="2050" creationId="{7AEA54D1-886E-4105-AAB1-AD8FF758888C}"/>
+          </ac:picMkLst>
+        </pc:picChg>
+      </pc:sldChg>
+      <pc:sldChg chg="del">
+        <pc:chgData name="duvan cifuentes" userId="ef02b632568d56f4" providerId="LiveId" clId="{E9EA4829-C9B8-42D8-8B0F-E06711ECB8B4}" dt="2021-07-01T02:00:20.322" v="32" actId="47"/>
+        <pc:sldMkLst>
+          <pc:docMk/>
+          <pc:sldMk cId="2323455255" sldId="267"/>
+        </pc:sldMkLst>
+      </pc:sldChg>
+      <pc:sldChg chg="addSp delSp modSp new mod ord">
+        <pc:chgData name="duvan cifuentes" userId="ef02b632568d56f4" providerId="LiveId" clId="{E9EA4829-C9B8-42D8-8B0F-E06711ECB8B4}" dt="2021-07-01T02:25:12.706" v="475" actId="1076"/>
+        <pc:sldMkLst>
+          <pc:docMk/>
+          <pc:sldMk cId="2816357545" sldId="267"/>
+        </pc:sldMkLst>
+        <pc:spChg chg="mod">
+          <ac:chgData name="duvan cifuentes" userId="ef02b632568d56f4" providerId="LiveId" clId="{E9EA4829-C9B8-42D8-8B0F-E06711ECB8B4}" dt="2021-07-01T02:25:00.631" v="470" actId="20577"/>
+          <ac:spMkLst>
+            <pc:docMk/>
+            <pc:sldMk cId="2816357545" sldId="267"/>
+            <ac:spMk id="2" creationId="{1984B099-3412-422B-A515-997FDF494C3B}"/>
+          </ac:spMkLst>
+        </pc:spChg>
+        <pc:spChg chg="del">
+          <ac:chgData name="duvan cifuentes" userId="ef02b632568d56f4" providerId="LiveId" clId="{E9EA4829-C9B8-42D8-8B0F-E06711ECB8B4}" dt="2021-07-01T02:24:52.678" v="457"/>
+          <ac:spMkLst>
+            <pc:docMk/>
+            <pc:sldMk cId="2816357545" sldId="267"/>
+            <ac:spMk id="3" creationId="{A2BB5C87-90FB-49E7-90EF-43F8115B5C1F}"/>
+          </ac:spMkLst>
+        </pc:spChg>
+        <pc:picChg chg="add mod">
+          <ac:chgData name="duvan cifuentes" userId="ef02b632568d56f4" providerId="LiveId" clId="{E9EA4829-C9B8-42D8-8B0F-E06711ECB8B4}" dt="2021-07-01T02:25:12.706" v="475" actId="1076"/>
+          <ac:picMkLst>
+            <pc:docMk/>
+            <pc:sldMk cId="2816357545" sldId="267"/>
+            <ac:picMk id="5" creationId="{66C31010-F1BF-48E7-9CAA-DA680DD5AA2C}"/>
+          </ac:picMkLst>
+        </pc:picChg>
+      </pc:sldChg>
+      <pc:sldChg chg="addSp delSp modSp new mod">
+        <pc:chgData name="duvan cifuentes" userId="ef02b632568d56f4" providerId="LiveId" clId="{E9EA4829-C9B8-42D8-8B0F-E06711ECB8B4}" dt="2021-07-01T17:51:27.295" v="482" actId="1076"/>
+        <pc:sldMkLst>
+          <pc:docMk/>
+          <pc:sldMk cId="627124716" sldId="268"/>
+        </pc:sldMkLst>
+        <pc:spChg chg="mod">
+          <ac:chgData name="duvan cifuentes" userId="ef02b632568d56f4" providerId="LiveId" clId="{E9EA4829-C9B8-42D8-8B0F-E06711ECB8B4}" dt="2021-07-01T17:51:15.755" v="479" actId="20577"/>
+          <ac:spMkLst>
+            <pc:docMk/>
+            <pc:sldMk cId="627124716" sldId="268"/>
+            <ac:spMk id="2" creationId="{42089579-6FAF-4093-8955-0C0A1D15102F}"/>
+          </ac:spMkLst>
+        </pc:spChg>
+        <pc:spChg chg="del">
+          <ac:chgData name="duvan cifuentes" userId="ef02b632568d56f4" providerId="LiveId" clId="{E9EA4829-C9B8-42D8-8B0F-E06711ECB8B4}" dt="2021-07-01T17:51:21.704" v="480"/>
+          <ac:spMkLst>
+            <pc:docMk/>
+            <pc:sldMk cId="627124716" sldId="268"/>
+            <ac:spMk id="3" creationId="{289AF635-7878-419C-9DF8-891DB45D1F56}"/>
+          </ac:spMkLst>
+        </pc:spChg>
+        <pc:picChg chg="add mod">
+          <ac:chgData name="duvan cifuentes" userId="ef02b632568d56f4" providerId="LiveId" clId="{E9EA4829-C9B8-42D8-8B0F-E06711ECB8B4}" dt="2021-07-01T17:51:27.295" v="482" actId="1076"/>
+          <ac:picMkLst>
+            <pc:docMk/>
+            <pc:sldMk cId="627124716" sldId="268"/>
+            <ac:picMk id="4" creationId="{2F082BA6-6D0D-4F90-8647-7B76FA4B4824}"/>
+          </ac:picMkLst>
+        </pc:picChg>
+      </pc:sldChg>
+      <pc:sldChg chg="del">
+        <pc:chgData name="duvan cifuentes" userId="ef02b632568d56f4" providerId="LiveId" clId="{E9EA4829-C9B8-42D8-8B0F-E06711ECB8B4}" dt="2021-07-01T02:00:20.322" v="32" actId="47"/>
+        <pc:sldMkLst>
+          <pc:docMk/>
+          <pc:sldMk cId="2899669110" sldId="268"/>
+        </pc:sldMkLst>
+      </pc:sldChg>
+      <pc:sldChg chg="del">
+        <pc:chgData name="duvan cifuentes" userId="ef02b632568d56f4" providerId="LiveId" clId="{E9EA4829-C9B8-42D8-8B0F-E06711ECB8B4}" dt="2021-07-01T02:00:20.322" v="32" actId="47"/>
+        <pc:sldMkLst>
+          <pc:docMk/>
+          <pc:sldMk cId="892049426" sldId="269"/>
+        </pc:sldMkLst>
+      </pc:sldChg>
+    </pc:docChg>
+  </pc:docChgLst>
+  <pc:docChgLst>
+    <pc:chgData name="duvan cifuentes" userId="ef02b632568d56f4" providerId="LiveId" clId="{D79EB66E-6CDF-4948-A227-F2B5EEDE70BE}"/>
+    <pc:docChg chg="custSel addSld modSld sldOrd">
+      <pc:chgData name="duvan cifuentes" userId="ef02b632568d56f4" providerId="LiveId" clId="{D79EB66E-6CDF-4948-A227-F2B5EEDE70BE}" dt="2021-07-01T17:54:16.333" v="19" actId="313"/>
+      <pc:docMkLst>
+        <pc:docMk/>
+      </pc:docMkLst>
+      <pc:sldChg chg="modSp new mod ord">
+        <pc:chgData name="duvan cifuentes" userId="ef02b632568d56f4" providerId="LiveId" clId="{D79EB66E-6CDF-4948-A227-F2B5EEDE70BE}" dt="2021-07-01T17:54:16.333" v="19" actId="313"/>
+        <pc:sldMkLst>
+          <pc:docMk/>
+          <pc:sldMk cId="198547784" sldId="269"/>
+        </pc:sldMkLst>
+        <pc:spChg chg="mod">
+          <ac:chgData name="duvan cifuentes" userId="ef02b632568d56f4" providerId="LiveId" clId="{D79EB66E-6CDF-4948-A227-F2B5EEDE70BE}" dt="2021-07-01T17:54:16.333" v="19" actId="313"/>
+          <ac:spMkLst>
+            <pc:docMk/>
+            <pc:sldMk cId="198547784" sldId="269"/>
+            <ac:spMk id="2" creationId="{68DB322B-3FBF-42DB-83F9-B1251505E3B2}"/>
+          </ac:spMkLst>
+        </pc:spChg>
+        <pc:spChg chg="mod">
+          <ac:chgData name="duvan cifuentes" userId="ef02b632568d56f4" providerId="LiveId" clId="{D79EB66E-6CDF-4948-A227-F2B5EEDE70BE}" dt="2021-07-01T17:54:03.896" v="3"/>
+          <ac:spMkLst>
+            <pc:docMk/>
+            <pc:sldMk cId="198547784" sldId="269"/>
+            <ac:spMk id="3" creationId="{DEE51646-4C7B-4148-B0C5-2726B37D59E6}"/>
+          </ac:spMkLst>
+        </pc:spChg>
+      </pc:sldChg>
+    </pc:docChg>
+  </pc:docChgLst>
   <pc:docChgLst>
     <pc:chgData name="duvan cifuentes" userId="ef02b632568d56f4" providerId="LiveId" clId="{D675C656-E211-4AAC-96C0-72F2FF28370C}"/>
     <pc:docChg chg="undo custSel addSld delSld modSld sldOrd">
@@ -503,7 +870,7 @@
           <a:p>
             <a:fld id="{CE25FD14-112C-4695-AD47-EFAE9E2B020D}" type="datetimeFigureOut">
               <a:rPr lang="es-CO" smtClean="0"/>
-              <a:t>29/05/2021</a:t>
+              <a:t>1/07/2021</a:t>
             </a:fld>
             <a:endParaRPr lang="es-CO" dirty="0"/>
           </a:p>
@@ -778,7 +1145,7 @@
           <a:p>
             <a:fld id="{CE25FD14-112C-4695-AD47-EFAE9E2B020D}" type="datetimeFigureOut">
               <a:rPr lang="es-CO" smtClean="0"/>
-              <a:t>29/05/2021</a:t>
+              <a:t>1/07/2021</a:t>
             </a:fld>
             <a:endParaRPr lang="es-CO" dirty="0"/>
           </a:p>
@@ -972,7 +1339,7 @@
           <a:p>
             <a:fld id="{CE25FD14-112C-4695-AD47-EFAE9E2B020D}" type="datetimeFigureOut">
               <a:rPr lang="es-CO" smtClean="0"/>
-              <a:t>29/05/2021</a:t>
+              <a:t>1/07/2021</a:t>
             </a:fld>
             <a:endParaRPr lang="es-CO" dirty="0"/>
           </a:p>
@@ -1245,7 +1612,7 @@
           <a:p>
             <a:fld id="{CE25FD14-112C-4695-AD47-EFAE9E2B020D}" type="datetimeFigureOut">
               <a:rPr lang="es-CO" smtClean="0"/>
-              <a:t>29/05/2021</a:t>
+              <a:t>1/07/2021</a:t>
             </a:fld>
             <a:endParaRPr lang="es-CO" dirty="0"/>
           </a:p>
@@ -1586,7 +1953,7 @@
           <a:p>
             <a:fld id="{CE25FD14-112C-4695-AD47-EFAE9E2B020D}" type="datetimeFigureOut">
               <a:rPr lang="es-CO" smtClean="0"/>
-              <a:t>29/05/2021</a:t>
+              <a:t>1/07/2021</a:t>
             </a:fld>
             <a:endParaRPr lang="es-CO" dirty="0"/>
           </a:p>
@@ -2209,7 +2576,7 @@
           <a:p>
             <a:fld id="{CE25FD14-112C-4695-AD47-EFAE9E2B020D}" type="datetimeFigureOut">
               <a:rPr lang="es-CO" smtClean="0"/>
-              <a:t>29/05/2021</a:t>
+              <a:t>1/07/2021</a:t>
             </a:fld>
             <a:endParaRPr lang="es-CO" dirty="0"/>
           </a:p>
@@ -3069,7 +3436,7 @@
           <a:p>
             <a:fld id="{CE25FD14-112C-4695-AD47-EFAE9E2B020D}" type="datetimeFigureOut">
               <a:rPr lang="es-CO" smtClean="0"/>
-              <a:t>29/05/2021</a:t>
+              <a:t>1/07/2021</a:t>
             </a:fld>
             <a:endParaRPr lang="es-CO" dirty="0"/>
           </a:p>
@@ -3239,7 +3606,7 @@
           <a:p>
             <a:fld id="{CE25FD14-112C-4695-AD47-EFAE9E2B020D}" type="datetimeFigureOut">
               <a:rPr lang="es-CO" smtClean="0"/>
-              <a:t>29/05/2021</a:t>
+              <a:t>1/07/2021</a:t>
             </a:fld>
             <a:endParaRPr lang="es-CO" dirty="0"/>
           </a:p>
@@ -3419,7 +3786,7 @@
           <a:p>
             <a:fld id="{CE25FD14-112C-4695-AD47-EFAE9E2B020D}" type="datetimeFigureOut">
               <a:rPr lang="es-CO" smtClean="0"/>
-              <a:t>29/05/2021</a:t>
+              <a:t>1/07/2021</a:t>
             </a:fld>
             <a:endParaRPr lang="es-CO" dirty="0"/>
           </a:p>
@@ -3589,7 +3956,7 @@
           <a:p>
             <a:fld id="{CE25FD14-112C-4695-AD47-EFAE9E2B020D}" type="datetimeFigureOut">
               <a:rPr lang="es-CO" smtClean="0"/>
-              <a:t>29/05/2021</a:t>
+              <a:t>1/07/2021</a:t>
             </a:fld>
             <a:endParaRPr lang="es-CO" dirty="0"/>
           </a:p>
@@ -3836,7 +4203,7 @@
           <a:p>
             <a:fld id="{CE25FD14-112C-4695-AD47-EFAE9E2B020D}" type="datetimeFigureOut">
               <a:rPr lang="es-CO" smtClean="0"/>
-              <a:t>29/05/2021</a:t>
+              <a:t>1/07/2021</a:t>
             </a:fld>
             <a:endParaRPr lang="es-CO" dirty="0"/>
           </a:p>
@@ -4128,7 +4495,7 @@
           <a:p>
             <a:fld id="{CE25FD14-112C-4695-AD47-EFAE9E2B020D}" type="datetimeFigureOut">
               <a:rPr lang="es-CO" smtClean="0"/>
-              <a:t>29/05/2021</a:t>
+              <a:t>1/07/2021</a:t>
             </a:fld>
             <a:endParaRPr lang="es-CO" dirty="0"/>
           </a:p>
@@ -4572,7 +4939,7 @@
           <a:p>
             <a:fld id="{CE25FD14-112C-4695-AD47-EFAE9E2B020D}" type="datetimeFigureOut">
               <a:rPr lang="es-CO" smtClean="0"/>
-              <a:t>29/05/2021</a:t>
+              <a:t>1/07/2021</a:t>
             </a:fld>
             <a:endParaRPr lang="es-CO" dirty="0"/>
           </a:p>
@@ -4690,7 +5057,7 @@
           <a:p>
             <a:fld id="{CE25FD14-112C-4695-AD47-EFAE9E2B020D}" type="datetimeFigureOut">
               <a:rPr lang="es-CO" smtClean="0"/>
-              <a:t>29/05/2021</a:t>
+              <a:t>1/07/2021</a:t>
             </a:fld>
             <a:endParaRPr lang="es-CO" dirty="0"/>
           </a:p>
@@ -4785,7 +5152,7 @@
           <a:p>
             <a:fld id="{CE25FD14-112C-4695-AD47-EFAE9E2B020D}" type="datetimeFigureOut">
               <a:rPr lang="es-CO" smtClean="0"/>
-              <a:t>29/05/2021</a:t>
+              <a:t>1/07/2021</a:t>
             </a:fld>
             <a:endParaRPr lang="es-CO" dirty="0"/>
           </a:p>
@@ -5064,7 +5431,7 @@
           <a:p>
             <a:fld id="{CE25FD14-112C-4695-AD47-EFAE9E2B020D}" type="datetimeFigureOut">
               <a:rPr lang="es-CO" smtClean="0"/>
-              <a:t>29/05/2021</a:t>
+              <a:t>1/07/2021</a:t>
             </a:fld>
             <a:endParaRPr lang="es-CO" dirty="0"/>
           </a:p>
@@ -5339,7 +5706,7 @@
           <a:p>
             <a:fld id="{CE25FD14-112C-4695-AD47-EFAE9E2B020D}" type="datetimeFigureOut">
               <a:rPr lang="es-CO" smtClean="0"/>
-              <a:t>29/05/2021</a:t>
+              <a:t>1/07/2021</a:t>
             </a:fld>
             <a:endParaRPr lang="es-CO" dirty="0"/>
           </a:p>
@@ -5768,7 +6135,7 @@
           <a:p>
             <a:fld id="{CE25FD14-112C-4695-AD47-EFAE9E2B020D}" type="datetimeFigureOut">
               <a:rPr lang="es-CO" smtClean="0"/>
-              <a:t>29/05/2021</a:t>
+              <a:t>1/07/2021</a:t>
             </a:fld>
             <a:endParaRPr lang="es-CO" dirty="0"/>
           </a:p>
@@ -6340,7 +6707,12 @@
             <p:ph type="subTitle" idx="1"/>
           </p:nvPr>
         </p:nvSpPr>
-        <p:spPr/>
+        <p:spPr>
+          <a:xfrm>
+            <a:off x="1154955" y="4777380"/>
+            <a:ext cx="8825658" cy="1474130"/>
+          </a:xfrm>
+        </p:spPr>
         <p:txBody>
           <a:bodyPr/>
           <a:lstStyle/>
@@ -6348,6 +6720,18 @@
             <a:r>
               <a:rPr lang="es-CO" dirty="0"/>
               <a:t>Duvan Felipe Cifuentes Novoa</a:t>
+            </a:r>
+          </a:p>
+          <a:p>
+            <a:r>
+              <a:rPr lang="es-CO" dirty="0"/>
+              <a:t>Valeria Orozco</a:t>
+            </a:r>
+          </a:p>
+          <a:p>
+            <a:r>
+              <a:rPr lang="es-CO" dirty="0"/>
+              <a:t>Jairo Vargas</a:t>
             </a:r>
           </a:p>
         </p:txBody>
@@ -6399,7 +6783,7 @@
           <p:cNvPr id="2" name="Título 1">
             <a:extLst>
               <a:ext uri="{FF2B5EF4-FFF2-40B4-BE49-F238E27FC236}">
-                <a16:creationId xmlns:a16="http://schemas.microsoft.com/office/drawing/2014/main" id="{315E08F4-2E2B-471F-8FB8-02DCCBE0B0B6}"/>
+                <a16:creationId xmlns:a16="http://schemas.microsoft.com/office/drawing/2014/main" id="{DEEC3924-8D18-4112-B1AB-688DAE64558D}"/>
               </a:ext>
             </a:extLst>
           </p:cNvPr>
@@ -6415,70 +6799,73 @@
           <a:bodyPr/>
           <a:lstStyle/>
           <a:p>
-            <a:pPr algn="ctr"/>
-            <a:r>
-              <a:rPr lang="es-CO" b="1" dirty="0"/>
-              <a:t>PROCESO DE ADQUISICIÓN</a:t>
-            </a:r>
-          </a:p>
-        </p:txBody>
-      </p:sp>
-      <p:sp>
-        <p:nvSpPr>
-          <p:cNvPr id="3" name="Marcador de contenido 2">
+            <a:r>
+              <a:rPr lang="es-CO" dirty="0"/>
+              <a:t>Diccionario De Datos</a:t>
+            </a:r>
+          </a:p>
+        </p:txBody>
+      </p:sp>
+      <p:pic>
+        <p:nvPicPr>
+          <p:cNvPr id="1026" name="Picture 2" descr="DICCIONARIO DE DATOS | Tproduccionmultimedia&amp;#39;s Blog">
+            <a:hlinkClick r:id="rId2"/>
             <a:extLst>
               <a:ext uri="{FF2B5EF4-FFF2-40B4-BE49-F238E27FC236}">
-                <a16:creationId xmlns:a16="http://schemas.microsoft.com/office/drawing/2014/main" id="{23BA0EA7-E519-4E95-B4C1-01668C6450BA}"/>
+                <a16:creationId xmlns:a16="http://schemas.microsoft.com/office/drawing/2014/main" id="{359ADE04-AD3D-405B-9D4A-3BFC7E2C44F4}"/>
               </a:ext>
             </a:extLst>
           </p:cNvPr>
-          <p:cNvSpPr>
-            <a:spLocks noGrp="1"/>
-          </p:cNvSpPr>
+          <p:cNvPicPr>
+            <a:picLocks noGrp="1" noChangeAspect="1" noChangeArrowheads="1"/>
+          </p:cNvPicPr>
           <p:nvPr>
             <p:ph idx="1"/>
           </p:nvPr>
-        </p:nvSpPr>
-        <p:spPr/>
-        <p:txBody>
-          <a:bodyPr/>
-          <a:lstStyle/>
-          <a:p>
-            <a:endParaRPr lang="es-CO" dirty="0"/>
-          </a:p>
-          <a:p>
-            <a:endParaRPr lang="es-CO" dirty="0"/>
-          </a:p>
-          <a:p>
-            <a:r>
-              <a:rPr lang="es-CO" dirty="0"/>
-              <a:t>A partir de la identificación del problema el cliente define que necesidades y requisitos presenta la aplicación que necesita y contrata nuestros servicios para desarrollar su software  </a:t>
-            </a:r>
-          </a:p>
-        </p:txBody>
-      </p:sp>
+        </p:nvPicPr>
+        <p:blipFill>
+          <a:blip r:embed="rId3">
+            <a:extLst>
+              <a:ext uri="{28A0092B-C50C-407E-A947-70E740481C1C}">
+                <a14:useLocalDpi xmlns:a14="http://schemas.microsoft.com/office/drawing/2010/main" val="0"/>
+              </a:ext>
+            </a:extLst>
+          </a:blip>
+          <a:srcRect/>
+          <a:stretch>
+            <a:fillRect/>
+          </a:stretch>
+        </p:blipFill>
+        <p:spPr bwMode="auto">
+          <a:xfrm>
+            <a:off x="3722428" y="2069306"/>
+            <a:ext cx="5257800" cy="4162425"/>
+          </a:xfrm>
+          <a:prstGeom prst="rect">
+            <a:avLst/>
+          </a:prstGeom>
+          <a:noFill/>
+          <a:extLst>
+            <a:ext uri="{909E8E84-426E-40DD-AFC4-6F175D3DCCD1}">
+              <a14:hiddenFill xmlns:a14="http://schemas.microsoft.com/office/drawing/2010/main">
+                <a:solidFill>
+                  <a:srgbClr val="FFFFFF"/>
+                </a:solidFill>
+              </a14:hiddenFill>
+            </a:ext>
+          </a:extLst>
+        </p:spPr>
+      </p:pic>
     </p:spTree>
     <p:extLst>
       <p:ext uri="{BB962C8B-B14F-4D97-AF65-F5344CB8AC3E}">
-        <p14:creationId xmlns:p14="http://schemas.microsoft.com/office/powerpoint/2010/main" val="2898184250"/>
+        <p14:creationId xmlns:p14="http://schemas.microsoft.com/office/powerpoint/2010/main" val="4224031898"/>
       </p:ext>
     </p:extLst>
   </p:cSld>
   <p:clrMapOvr>
     <a:masterClrMapping/>
   </p:clrMapOvr>
-  <mc:AlternateContent xmlns:mc="http://schemas.openxmlformats.org/markup-compatibility/2006" xmlns:p15="http://schemas.microsoft.com/office/powerpoint/2012/main">
-    <mc:Choice Requires="p15">
-      <p:transition xmlns:p14="http://schemas.microsoft.com/office/powerpoint/2010/main" spd="slow" p14:dur="1250">
-        <p15:prstTrans prst="pageCurlDouble"/>
-      </p:transition>
-    </mc:Choice>
-    <mc:Fallback xmlns="">
-      <p:transition spd="slow">
-        <p:fade/>
-      </p:transition>
-    </mc:Fallback>
-  </mc:AlternateContent>
 </p:sld>
 </file>
 
@@ -6504,7 +6891,7 @@
           <p:cNvPr id="2" name="Título 1">
             <a:extLst>
               <a:ext uri="{FF2B5EF4-FFF2-40B4-BE49-F238E27FC236}">
-                <a16:creationId xmlns:a16="http://schemas.microsoft.com/office/drawing/2014/main" id="{A5E54188-CF81-429A-82E2-35F53238DEC9}"/>
+                <a16:creationId xmlns:a16="http://schemas.microsoft.com/office/drawing/2014/main" id="{0B074B8A-B3EC-432E-9B52-6CD5C7FD4DBB}"/>
               </a:ext>
             </a:extLst>
           </p:cNvPr>
@@ -6520,74 +6907,73 @@
           <a:bodyPr/>
           <a:lstStyle/>
           <a:p>
-            <a:pPr algn="ctr"/>
-            <a:r>
-              <a:rPr lang="es-CO" b="1" dirty="0"/>
-              <a:t>PROCESO DE SUMINISTRO </a:t>
-            </a:r>
-            <a:endParaRPr lang="es-CO" dirty="0"/>
-          </a:p>
-        </p:txBody>
-      </p:sp>
-      <p:sp>
-        <p:nvSpPr>
-          <p:cNvPr id="3" name="Marcador de contenido 2">
+            <a:r>
+              <a:rPr lang="es-CO" dirty="0"/>
+              <a:t>DDL</a:t>
+            </a:r>
+          </a:p>
+        </p:txBody>
+      </p:sp>
+      <p:pic>
+        <p:nvPicPr>
+          <p:cNvPr id="2050" name="Picture 2" descr="Base de datos : ¿qué tipos hay y cómo funciona conectada a un software?">
+            <a:hlinkClick r:id="rId2"/>
             <a:extLst>
               <a:ext uri="{FF2B5EF4-FFF2-40B4-BE49-F238E27FC236}">
-                <a16:creationId xmlns:a16="http://schemas.microsoft.com/office/drawing/2014/main" id="{679C33DA-93BE-4B5D-AD7C-A41A206CA30E}"/>
+                <a16:creationId xmlns:a16="http://schemas.microsoft.com/office/drawing/2014/main" id="{7AEA54D1-886E-4105-AAB1-AD8FF758888C}"/>
               </a:ext>
             </a:extLst>
           </p:cNvPr>
-          <p:cNvSpPr>
-            <a:spLocks noGrp="1"/>
-          </p:cNvSpPr>
+          <p:cNvPicPr>
+            <a:picLocks noGrp="1" noChangeAspect="1" noChangeArrowheads="1"/>
+          </p:cNvPicPr>
           <p:nvPr>
             <p:ph idx="1"/>
           </p:nvPr>
-        </p:nvSpPr>
-        <p:spPr/>
-        <p:txBody>
-          <a:bodyPr/>
-          <a:lstStyle/>
-          <a:p>
-            <a:endParaRPr lang="es-CO" dirty="0"/>
-          </a:p>
-          <a:p>
-            <a:endParaRPr lang="es-CO" dirty="0"/>
-          </a:p>
-          <a:p>
-            <a:endParaRPr lang="es-CO" dirty="0"/>
-          </a:p>
-          <a:p>
-            <a:r>
-              <a:rPr lang="es-CO" dirty="0"/>
-              <a:t>Se definen todas las actividades que realizaremos para la gestión del proyecto con el fin de una ejecución exitosa. </a:t>
-            </a:r>
-          </a:p>
-        </p:txBody>
-      </p:sp>
+        </p:nvPicPr>
+        <p:blipFill>
+          <a:blip r:embed="rId3">
+            <a:extLst>
+              <a:ext uri="{28A0092B-C50C-407E-A947-70E740481C1C}">
+                <a14:useLocalDpi xmlns:a14="http://schemas.microsoft.com/office/drawing/2010/main" val="0"/>
+              </a:ext>
+            </a:extLst>
+          </a:blip>
+          <a:srcRect/>
+          <a:stretch>
+            <a:fillRect/>
+          </a:stretch>
+        </p:blipFill>
+        <p:spPr bwMode="auto">
+          <a:xfrm>
+            <a:off x="4432915" y="2166791"/>
+            <a:ext cx="3022243" cy="3022243"/>
+          </a:xfrm>
+          <a:prstGeom prst="rect">
+            <a:avLst/>
+          </a:prstGeom>
+          <a:noFill/>
+          <a:extLst>
+            <a:ext uri="{909E8E84-426E-40DD-AFC4-6F175D3DCCD1}">
+              <a14:hiddenFill xmlns:a14="http://schemas.microsoft.com/office/drawing/2010/main">
+                <a:solidFill>
+                  <a:srgbClr val="FFFFFF"/>
+                </a:solidFill>
+              </a14:hiddenFill>
+            </a:ext>
+          </a:extLst>
+        </p:spPr>
+      </p:pic>
     </p:spTree>
     <p:extLst>
       <p:ext uri="{BB962C8B-B14F-4D97-AF65-F5344CB8AC3E}">
-        <p14:creationId xmlns:p14="http://schemas.microsoft.com/office/powerpoint/2010/main" val="2430428381"/>
+        <p14:creationId xmlns:p14="http://schemas.microsoft.com/office/powerpoint/2010/main" val="3242803382"/>
       </p:ext>
     </p:extLst>
   </p:cSld>
   <p:clrMapOvr>
     <a:masterClrMapping/>
   </p:clrMapOvr>
-  <mc:AlternateContent xmlns:mc="http://schemas.openxmlformats.org/markup-compatibility/2006" xmlns:p14="http://schemas.microsoft.com/office/powerpoint/2010/main">
-    <mc:Choice Requires="p14">
-      <p:transition spd="slow" p14:dur="1200">
-        <p:dissolve/>
-      </p:transition>
-    </mc:Choice>
-    <mc:Fallback xmlns="">
-      <p:transition spd="slow">
-        <p:dissolve/>
-      </p:transition>
-    </mc:Fallback>
-  </mc:AlternateContent>
 </p:sld>
 </file>
 
@@ -6613,7 +6999,7 @@
           <p:cNvPr id="2" name="Título 1">
             <a:extLst>
               <a:ext uri="{FF2B5EF4-FFF2-40B4-BE49-F238E27FC236}">
-                <a16:creationId xmlns:a16="http://schemas.microsoft.com/office/drawing/2014/main" id="{68F2D999-BFB6-4413-B812-DFBA8D9B26A1}"/>
+                <a16:creationId xmlns:a16="http://schemas.microsoft.com/office/drawing/2014/main" id="{42089579-6FAF-4093-8955-0C0A1D15102F}"/>
               </a:ext>
             </a:extLst>
           </p:cNvPr>
@@ -6629,110 +7015,73 @@
           <a:bodyPr/>
           <a:lstStyle/>
           <a:p>
-            <a:pPr algn="ctr"/>
-            <a:r>
-              <a:rPr lang="es-CO" b="1" dirty="0"/>
-              <a:t>PROCESO DE DESARROLLO </a:t>
-            </a:r>
-          </a:p>
-        </p:txBody>
-      </p:sp>
-      <p:sp>
-        <p:nvSpPr>
-          <p:cNvPr id="3" name="Marcador de contenido 2">
+            <a:r>
+              <a:rPr lang="es-CO" dirty="0"/>
+              <a:t>DML</a:t>
+            </a:r>
+          </a:p>
+        </p:txBody>
+      </p:sp>
+      <p:pic>
+        <p:nvPicPr>
+          <p:cNvPr id="4" name="Picture 2" descr="Base de datos : ¿qué tipos hay y cómo funciona conectada a un software?">
+            <a:hlinkClick r:id="rId2"/>
             <a:extLst>
               <a:ext uri="{FF2B5EF4-FFF2-40B4-BE49-F238E27FC236}">
-                <a16:creationId xmlns:a16="http://schemas.microsoft.com/office/drawing/2014/main" id="{40F277D4-DBDA-4E5E-87AA-6F1DF9ADE243}"/>
+                <a16:creationId xmlns:a16="http://schemas.microsoft.com/office/drawing/2014/main" id="{2F082BA6-6D0D-4F90-8647-7B76FA4B4824}"/>
               </a:ext>
             </a:extLst>
           </p:cNvPr>
-          <p:cNvSpPr>
-            <a:spLocks noGrp="1"/>
-          </p:cNvSpPr>
+          <p:cNvPicPr>
+            <a:picLocks noGrp="1" noChangeAspect="1" noChangeArrowheads="1"/>
+          </p:cNvPicPr>
           <p:nvPr>
             <p:ph idx="1"/>
           </p:nvPr>
-        </p:nvSpPr>
-        <p:spPr/>
-        <p:txBody>
-          <a:bodyPr/>
-          <a:lstStyle/>
-          <a:p>
-            <a:r>
-              <a:rPr lang="es-CO" dirty="0"/>
-              <a:t>En este proceso se realizaran todas las actividades relacionadas al desarrollo de software:</a:t>
-            </a:r>
-          </a:p>
-          <a:p>
-            <a:pPr lvl="1"/>
-            <a:r>
-              <a:rPr lang="es-ES" dirty="0"/>
-              <a:t>Análisis de requerimientos.</a:t>
-            </a:r>
-          </a:p>
-          <a:p>
-            <a:pPr lvl="1"/>
-            <a:r>
-              <a:rPr lang="es-ES" dirty="0"/>
-              <a:t>Diseño.</a:t>
-            </a:r>
-          </a:p>
-          <a:p>
-            <a:pPr lvl="1"/>
-            <a:r>
-              <a:rPr lang="es-ES" dirty="0"/>
-              <a:t>Codificación.  </a:t>
-            </a:r>
-          </a:p>
-          <a:p>
-            <a:pPr lvl="1"/>
-            <a:r>
-              <a:rPr lang="es-ES" dirty="0"/>
-              <a:t>Implementación.</a:t>
-            </a:r>
-          </a:p>
-          <a:p>
-            <a:pPr lvl="1"/>
-            <a:r>
-              <a:rPr lang="es-ES" dirty="0"/>
-              <a:t>Pruebas del software.</a:t>
-            </a:r>
-          </a:p>
-          <a:p>
-            <a:pPr lvl="1"/>
-            <a:r>
-              <a:rPr lang="es-ES" dirty="0"/>
-              <a:t>Instalación. </a:t>
-            </a:r>
-          </a:p>
-          <a:p>
-            <a:pPr lvl="1"/>
-            <a:r>
-              <a:rPr lang="es-ES" dirty="0"/>
-              <a:t>Mantenimiento.</a:t>
-            </a:r>
-          </a:p>
-          <a:p>
-            <a:pPr marL="457200" lvl="1" indent="0">
-              <a:buNone/>
-            </a:pPr>
-            <a:endParaRPr lang="es-CO" dirty="0"/>
-          </a:p>
-        </p:txBody>
-      </p:sp>
+        </p:nvPicPr>
+        <p:blipFill>
+          <a:blip r:embed="rId3">
+            <a:extLst>
+              <a:ext uri="{28A0092B-C50C-407E-A947-70E740481C1C}">
+                <a14:useLocalDpi xmlns:a14="http://schemas.microsoft.com/office/drawing/2010/main" val="0"/>
+              </a:ext>
+            </a:extLst>
+          </a:blip>
+          <a:srcRect/>
+          <a:stretch>
+            <a:fillRect/>
+          </a:stretch>
+        </p:blipFill>
+        <p:spPr bwMode="auto">
+          <a:xfrm>
+            <a:off x="4470456" y="1753666"/>
+            <a:ext cx="3251087" cy="3251087"/>
+          </a:xfrm>
+          <a:prstGeom prst="rect">
+            <a:avLst/>
+          </a:prstGeom>
+          <a:noFill/>
+          <a:extLst>
+            <a:ext uri="{909E8E84-426E-40DD-AFC4-6F175D3DCCD1}">
+              <a14:hiddenFill xmlns:a14="http://schemas.microsoft.com/office/drawing/2010/main">
+                <a:solidFill>
+                  <a:srgbClr val="FFFFFF"/>
+                </a:solidFill>
+              </a14:hiddenFill>
+            </a:ext>
+          </a:extLst>
+        </p:spPr>
+      </p:pic>
     </p:spTree>
     <p:extLst>
       <p:ext uri="{BB962C8B-B14F-4D97-AF65-F5344CB8AC3E}">
-        <p14:creationId xmlns:p14="http://schemas.microsoft.com/office/powerpoint/2010/main" val="2323455255"/>
+        <p14:creationId xmlns:p14="http://schemas.microsoft.com/office/powerpoint/2010/main" val="627124716"/>
       </p:ext>
     </p:extLst>
   </p:cSld>
   <p:clrMapOvr>
     <a:masterClrMapping/>
   </p:clrMapOvr>
-  <p:transition spd="slow">
-    <p:randomBar dir="vert"/>
-  </p:transition>
 </p:sld>
 </file>
 
@@ -6758,7 +7107,7 @@
           <p:cNvPr id="2" name="Título 1">
             <a:extLst>
               <a:ext uri="{FF2B5EF4-FFF2-40B4-BE49-F238E27FC236}">
-                <a16:creationId xmlns:a16="http://schemas.microsoft.com/office/drawing/2014/main" id="{43694721-27D8-4FAF-9087-46E1CB91A99C}"/>
+                <a16:creationId xmlns:a16="http://schemas.microsoft.com/office/drawing/2014/main" id="{1984B099-3412-422B-A515-997FDF494C3B}"/>
               </a:ext>
             </a:extLst>
           </p:cNvPr>
@@ -6774,73 +7123,58 @@
           <a:bodyPr/>
           <a:lstStyle/>
           <a:p>
-            <a:pPr algn="ctr"/>
-            <a:r>
-              <a:rPr lang="es-CO" b="1" dirty="0"/>
-              <a:t>PROCESO DE OPERACIÓN</a:t>
-            </a:r>
-          </a:p>
-        </p:txBody>
-      </p:sp>
-      <p:sp>
-        <p:nvSpPr>
-          <p:cNvPr id="3" name="Marcador de contenido 2">
+            <a:r>
+              <a:rPr lang="es-CO" dirty="0"/>
+              <a:t>Caso De Uso</a:t>
+            </a:r>
+          </a:p>
+        </p:txBody>
+      </p:sp>
+      <p:pic>
+        <p:nvPicPr>
+          <p:cNvPr id="5" name="Marcador de contenido 4">
             <a:extLst>
               <a:ext uri="{FF2B5EF4-FFF2-40B4-BE49-F238E27FC236}">
-                <a16:creationId xmlns:a16="http://schemas.microsoft.com/office/drawing/2014/main" id="{25BFD67E-6697-4850-82A8-4321ED3EB38C}"/>
+                <a16:creationId xmlns:a16="http://schemas.microsoft.com/office/drawing/2014/main" id="{66C31010-F1BF-48E7-9CAA-DA680DD5AA2C}"/>
               </a:ext>
             </a:extLst>
           </p:cNvPr>
-          <p:cNvSpPr>
-            <a:spLocks noGrp="1"/>
-          </p:cNvSpPr>
+          <p:cNvPicPr>
+            <a:picLocks noGrp="1" noChangeAspect="1"/>
+          </p:cNvPicPr>
           <p:nvPr>
             <p:ph idx="1"/>
           </p:nvPr>
-        </p:nvSpPr>
-        <p:spPr/>
-        <p:txBody>
-          <a:bodyPr/>
-          <a:lstStyle/>
-          <a:p>
-            <a:endParaRPr lang="es-CO" dirty="0"/>
-          </a:p>
-          <a:p>
-            <a:endParaRPr lang="es-CO" dirty="0"/>
-          </a:p>
-          <a:p>
-            <a:endParaRPr lang="es-CO" dirty="0"/>
-          </a:p>
-          <a:p>
-            <a:r>
-              <a:rPr lang="es-CO" dirty="0"/>
-              <a:t>En este proceso se implementa el software y se realizan pruebas de operación, además de que se realiza la inducción al usuario.</a:t>
-            </a:r>
-          </a:p>
-        </p:txBody>
-      </p:sp>
+        </p:nvPicPr>
+        <p:blipFill>
+          <a:blip r:embed="rId2">
+            <a:extLst>
+              <a:ext uri="{28A0092B-C50C-407E-A947-70E740481C1C}">
+                <a14:useLocalDpi xmlns:a14="http://schemas.microsoft.com/office/drawing/2010/main" val="0"/>
+              </a:ext>
+            </a:extLst>
+          </a:blip>
+          <a:stretch>
+            <a:fillRect/>
+          </a:stretch>
+        </p:blipFill>
+        <p:spPr>
+          <a:xfrm>
+            <a:off x="3178163" y="1250302"/>
+            <a:ext cx="5835674" cy="5032470"/>
+          </a:xfrm>
+        </p:spPr>
+      </p:pic>
     </p:spTree>
     <p:extLst>
       <p:ext uri="{BB962C8B-B14F-4D97-AF65-F5344CB8AC3E}">
-        <p14:creationId xmlns:p14="http://schemas.microsoft.com/office/powerpoint/2010/main" val="2899669110"/>
+        <p14:creationId xmlns:p14="http://schemas.microsoft.com/office/powerpoint/2010/main" val="2816357545"/>
       </p:ext>
     </p:extLst>
   </p:cSld>
   <p:clrMapOvr>
     <a:masterClrMapping/>
   </p:clrMapOvr>
-  <mc:AlternateContent xmlns:mc="http://schemas.openxmlformats.org/markup-compatibility/2006" xmlns:p14="http://schemas.microsoft.com/office/powerpoint/2010/main">
-    <mc:Choice Requires="p14">
-      <p:transition spd="slow" p14:dur="4000">
-        <p14:vortex dir="r"/>
-      </p:transition>
-    </mc:Choice>
-    <mc:Fallback xmlns="">
-      <p:transition spd="slow">
-        <p:fade/>
-      </p:transition>
-    </mc:Fallback>
-  </mc:AlternateContent>
 </p:sld>
 </file>
 
@@ -6866,7 +7200,7 @@
           <p:cNvPr id="2" name="Título 1">
             <a:extLst>
               <a:ext uri="{FF2B5EF4-FFF2-40B4-BE49-F238E27FC236}">
-                <a16:creationId xmlns:a16="http://schemas.microsoft.com/office/drawing/2014/main" id="{CF3D8366-016D-4B36-8248-C63366051071}"/>
+                <a16:creationId xmlns:a16="http://schemas.microsoft.com/office/drawing/2014/main" id="{68DB322B-3FBF-42DB-83F9-B1251505E3B2}"/>
               </a:ext>
             </a:extLst>
           </p:cNvPr>
@@ -6882,14 +7216,9 @@
           <a:bodyPr/>
           <a:lstStyle/>
           <a:p>
-            <a:pPr algn="ctr"/>
-            <a:r>
-              <a:rPr lang="es-CO" b="1" dirty="0"/>
-              <a:t>PROCESO DE MANTENIMIENTO </a:t>
-            </a:r>
             <a:r>
               <a:rPr lang="es-CO" dirty="0"/>
-              <a:t> </a:t>
+              <a:t>Link Repositorio</a:t>
             </a:r>
           </a:p>
         </p:txBody>
@@ -6899,7 +7228,7 @@
           <p:cNvPr id="3" name="Marcador de contenido 2">
             <a:extLst>
               <a:ext uri="{FF2B5EF4-FFF2-40B4-BE49-F238E27FC236}">
-                <a16:creationId xmlns:a16="http://schemas.microsoft.com/office/drawing/2014/main" id="{BEA7F820-4856-4CF1-B047-621719F297E2}"/>
+                <a16:creationId xmlns:a16="http://schemas.microsoft.com/office/drawing/2014/main" id="{DEE51646-4C7B-4148-B0C5-2726B37D59E6}"/>
               </a:ext>
             </a:extLst>
           </p:cNvPr>
@@ -6915,18 +7244,9 @@
           <a:bodyPr/>
           <a:lstStyle/>
           <a:p>
-            <a:endParaRPr lang="es-CO" dirty="0"/>
-          </a:p>
-          <a:p>
-            <a:endParaRPr lang="es-CO" dirty="0"/>
-          </a:p>
-          <a:p>
-            <a:endParaRPr lang="es-CO" dirty="0"/>
-          </a:p>
-          <a:p>
             <a:r>
               <a:rPr lang="es-CO" dirty="0"/>
-              <a:t>En este proceso se realizan mantenimientos preventivos periódicamente, adicionalmente siempre que lo requiera el cliente o se presenten fallas del software, se realizan e implementan modificaciones que sean requeridas.</a:t>
+              <a:t>https://github.com/JairoVargasGonzalez/Tecno</a:t>
             </a:r>
           </a:p>
         </p:txBody>
@@ -6934,16 +7254,13 @@
     </p:spTree>
     <p:extLst>
       <p:ext uri="{BB962C8B-B14F-4D97-AF65-F5344CB8AC3E}">
-        <p14:creationId xmlns:p14="http://schemas.microsoft.com/office/powerpoint/2010/main" val="892049426"/>
+        <p14:creationId xmlns:p14="http://schemas.microsoft.com/office/powerpoint/2010/main" val="198547784"/>
       </p:ext>
     </p:extLst>
   </p:cSld>
   <p:clrMapOvr>
     <a:masterClrMapping/>
   </p:clrMapOvr>
-  <p:transition spd="slow">
-    <p:wheel spokes="1"/>
-  </p:transition>
 </p:sld>
 </file>
 
@@ -7043,16 +7360,6 @@
               <a:buNone/>
             </a:pPr>
             <a:endParaRPr lang="es-ES" b="1" dirty="0"/>
-          </a:p>
-          <a:p>
-            <a:pPr marL="0" indent="0">
-              <a:buNone/>
-            </a:pPr>
-            <a:r>
-              <a:rPr lang="es-CO" dirty="0"/>
-              <a:t>El modelo de desarrollo que se adoptara en este desarrollo es el modelo en cascada</a:t>
-            </a:r>
-            <a:endParaRPr lang="es-CO" b="1" dirty="0"/>
           </a:p>
         </p:txBody>
       </p:sp>
@@ -7149,7 +7456,7 @@
         <p:spPr/>
         <p:txBody>
           <a:bodyPr>
-            <a:normAutofit fontScale="92500" lnSpcReduction="20000"/>
+            <a:normAutofit/>
           </a:bodyPr>
           <a:lstStyle/>
           <a:p>
@@ -7170,25 +7477,13 @@
           <a:p>
             <a:r>
               <a:rPr lang="es-CO" dirty="0"/>
-              <a:t>Permite agregar movimientos (salida y entrada) de productos en base de datos.</a:t>
+              <a:t>Permite agregar productos y relacionarlos con los proveedores</a:t>
             </a:r>
           </a:p>
           <a:p>
             <a:r>
               <a:rPr lang="es-CO" dirty="0"/>
-              <a:t>Permite descargar un detallado de los movimientos realizados según una serie de filtros opcionales.</a:t>
-            </a:r>
-          </a:p>
-          <a:p>
-            <a:r>
-              <a:rPr lang="es-CO" dirty="0"/>
-              <a:t>Permite comprar diferentes productos mediante la aplicación.</a:t>
-            </a:r>
-          </a:p>
-          <a:p>
-            <a:r>
-              <a:rPr lang="es-CO" dirty="0"/>
-              <a:t>Genera las facturas de manera correcta.</a:t>
+              <a:t>Permite gestionar la base de datos proveedores, categorías y productos (CRUD)</a:t>
             </a:r>
           </a:p>
           <a:p>
@@ -7319,7 +7614,7 @@
           <a:p>
             <a:r>
               <a:rPr lang="es-CO" dirty="0"/>
-              <a:t>Se diseñará una base de datos relaciona con las tablas necesarias para el correcto funcionamiento del aplicativo.</a:t>
+              <a:t>Se diseñará una base de datos relacional con las tablas necesarias para el correcto funcionamiento del aplicativo.</a:t>
             </a:r>
             <a:endParaRPr lang="en-US" dirty="0"/>
           </a:p>
@@ -7457,7 +7752,27 @@
               <a:rPr lang="es-CO" dirty="0"/>
               <a:t>debido a la fácil implementación de ésta con el lenguaje de programación utilizado.</a:t>
             </a:r>
-            <a:endParaRPr lang="en-US" b="1" dirty="0"/>
+          </a:p>
+          <a:p>
+            <a:r>
+              <a:rPr lang="es-CO" dirty="0"/>
+              <a:t>Para gestionar la base de datos se utilizara </a:t>
+            </a:r>
+            <a:r>
+              <a:rPr lang="es-CO" dirty="0" err="1"/>
+              <a:t>Entity</a:t>
+            </a:r>
+            <a:r>
+              <a:rPr lang="es-CO" dirty="0"/>
+              <a:t> Framework</a:t>
+            </a:r>
+          </a:p>
+          <a:p>
+            <a:r>
+              <a:rPr lang="es-CO" dirty="0"/>
+              <a:t>Para el diseño se utilizara HTML, Bootstrap y css.</a:t>
+            </a:r>
+            <a:endParaRPr lang="en-US" dirty="0"/>
           </a:p>
           <a:p>
             <a:pPr marL="0" indent="0">
@@ -7762,10 +8077,10 @@
       </p:grpSpPr>
       <p:sp>
         <p:nvSpPr>
-          <p:cNvPr id="3" name="Marcador de contenido 2">
+          <p:cNvPr id="2" name="Título 1">
             <a:extLst>
               <a:ext uri="{FF2B5EF4-FFF2-40B4-BE49-F238E27FC236}">
-                <a16:creationId xmlns:a16="http://schemas.microsoft.com/office/drawing/2014/main" id="{2EC9ED8E-B6AF-49F6-9A5E-EDC053FB77A5}"/>
+                <a16:creationId xmlns:a16="http://schemas.microsoft.com/office/drawing/2014/main" id="{B5FF421B-CDAD-4DDB-BADD-EE63ECAED53F}"/>
               </a:ext>
             </a:extLst>
           </p:cNvPr>
@@ -7773,72 +8088,81 @@
             <a:spLocks noGrp="1"/>
           </p:cNvSpPr>
           <p:nvPr>
-            <p:ph idx="1"/>
-          </p:nvPr>
-        </p:nvSpPr>
-        <p:spPr>
-          <a:xfrm>
-            <a:off x="838200" y="561474"/>
-            <a:ext cx="10515600" cy="5615489"/>
-          </a:xfrm>
-        </p:spPr>
+            <p:ph type="title"/>
+          </p:nvPr>
+        </p:nvSpPr>
+        <p:spPr/>
         <p:txBody>
           <a:bodyPr/>
           <a:lstStyle/>
           <a:p>
-            <a:pPr marL="0" indent="0" algn="ctr">
-              <a:buNone/>
-            </a:pPr>
-            <a:endParaRPr lang="es-CO" sz="6600" b="1" dirty="0"/>
-          </a:p>
-          <a:p>
-            <a:pPr marL="0" indent="0" algn="ctr">
-              <a:buNone/>
-            </a:pPr>
-            <a:endParaRPr lang="es-CO" sz="6600" b="1" dirty="0"/>
-          </a:p>
-          <a:p>
-            <a:pPr marL="0" indent="0" algn="ctr">
-              <a:buNone/>
-            </a:pPr>
-            <a:r>
-              <a:rPr lang="es-CO" sz="6600" b="1" dirty="0"/>
-              <a:t>Aplicación ISO 12207</a:t>
-            </a:r>
-          </a:p>
-          <a:p>
-            <a:pPr marL="0" indent="0">
-              <a:buNone/>
-            </a:pPr>
             <a:r>
               <a:rPr lang="es-CO" dirty="0"/>
-              <a:t> </a:t>
-            </a:r>
-          </a:p>
-        </p:txBody>
-      </p:sp>
+              <a:t>Normalización</a:t>
+            </a:r>
+          </a:p>
+        </p:txBody>
+      </p:sp>
+      <p:pic>
+        <p:nvPicPr>
+          <p:cNvPr id="3074" name="Picture 2" descr="Heli Sulbaran: Normalización de Base de Datos">
+            <a:hlinkClick r:id="rId2"/>
+            <a:extLst>
+              <a:ext uri="{FF2B5EF4-FFF2-40B4-BE49-F238E27FC236}">
+                <a16:creationId xmlns:a16="http://schemas.microsoft.com/office/drawing/2014/main" id="{C49636AD-82DC-4371-9340-C131253AB236}"/>
+              </a:ext>
+            </a:extLst>
+          </p:cNvPr>
+          <p:cNvPicPr>
+            <a:picLocks noGrp="1" noChangeAspect="1" noChangeArrowheads="1"/>
+          </p:cNvPicPr>
+          <p:nvPr>
+            <p:ph idx="1"/>
+          </p:nvPr>
+        </p:nvPicPr>
+        <p:blipFill>
+          <a:blip r:embed="rId3">
+            <a:extLst>
+              <a:ext uri="{28A0092B-C50C-407E-A947-70E740481C1C}">
+                <a14:useLocalDpi xmlns:a14="http://schemas.microsoft.com/office/drawing/2010/main" val="0"/>
+              </a:ext>
+            </a:extLst>
+          </a:blip>
+          <a:srcRect/>
+          <a:stretch>
+            <a:fillRect/>
+          </a:stretch>
+        </p:blipFill>
+        <p:spPr bwMode="auto">
+          <a:xfrm>
+            <a:off x="2970970" y="2258009"/>
+            <a:ext cx="5344730" cy="3881534"/>
+          </a:xfrm>
+          <a:prstGeom prst="rect">
+            <a:avLst/>
+          </a:prstGeom>
+          <a:noFill/>
+          <a:extLst>
+            <a:ext uri="{909E8E84-426E-40DD-AFC4-6F175D3DCCD1}">
+              <a14:hiddenFill xmlns:a14="http://schemas.microsoft.com/office/drawing/2010/main">
+                <a:solidFill>
+                  <a:srgbClr val="FFFFFF"/>
+                </a:solidFill>
+              </a14:hiddenFill>
+            </a:ext>
+          </a:extLst>
+        </p:spPr>
+      </p:pic>
     </p:spTree>
     <p:extLst>
       <p:ext uri="{BB962C8B-B14F-4D97-AF65-F5344CB8AC3E}">
-        <p14:creationId xmlns:p14="http://schemas.microsoft.com/office/powerpoint/2010/main" val="2083072863"/>
+        <p14:creationId xmlns:p14="http://schemas.microsoft.com/office/powerpoint/2010/main" val="3364696326"/>
       </p:ext>
     </p:extLst>
   </p:cSld>
   <p:clrMapOvr>
     <a:masterClrMapping/>
   </p:clrMapOvr>
-  <mc:AlternateContent xmlns:mc="http://schemas.openxmlformats.org/markup-compatibility/2006" xmlns:p15="http://schemas.microsoft.com/office/powerpoint/2012/main">
-    <mc:Choice Requires="p15">
-      <p:transition xmlns:p14="http://schemas.microsoft.com/office/powerpoint/2010/main" spd="slow" p14:dur="2000">
-        <p15:prstTrans prst="prestige"/>
-      </p:transition>
-    </mc:Choice>
-    <mc:Fallback xmlns="">
-      <p:transition spd="slow">
-        <p:fade/>
-      </p:transition>
-    </mc:Fallback>
-  </mc:AlternateContent>
 </p:sld>
 </file>
 
@@ -7861,10 +8185,10 @@
       </p:grpSpPr>
       <p:sp>
         <p:nvSpPr>
-          <p:cNvPr id="3" name="Marcador de contenido 2">
+          <p:cNvPr id="2" name="Título 1">
             <a:extLst>
               <a:ext uri="{FF2B5EF4-FFF2-40B4-BE49-F238E27FC236}">
-                <a16:creationId xmlns:a16="http://schemas.microsoft.com/office/drawing/2014/main" id="{14B7B2FA-94A8-4535-ADED-002D527FB2AF}"/>
+                <a16:creationId xmlns:a16="http://schemas.microsoft.com/office/drawing/2014/main" id="{E14D5DF3-DD7C-4DF5-AB6D-D2AC5CB24134}"/>
               </a:ext>
             </a:extLst>
           </p:cNvPr>
@@ -7872,66 +8196,66 @@
             <a:spLocks noGrp="1"/>
           </p:cNvSpPr>
           <p:nvPr>
+            <p:ph type="title"/>
+          </p:nvPr>
+        </p:nvSpPr>
+        <p:spPr/>
+        <p:txBody>
+          <a:bodyPr/>
+          <a:lstStyle/>
+          <a:p>
+            <a:r>
+              <a:rPr lang="es-CO" dirty="0"/>
+              <a:t>Modelo Entidad Relación </a:t>
+            </a:r>
+          </a:p>
+        </p:txBody>
+      </p:sp>
+      <p:pic>
+        <p:nvPicPr>
+          <p:cNvPr id="5" name="Marcador de contenido 4">
+            <a:extLst>
+              <a:ext uri="{FF2B5EF4-FFF2-40B4-BE49-F238E27FC236}">
+                <a16:creationId xmlns:a16="http://schemas.microsoft.com/office/drawing/2014/main" id="{B56324CD-87D3-44CD-A345-AB0DAF179DD8}"/>
+              </a:ext>
+            </a:extLst>
+          </p:cNvPr>
+          <p:cNvPicPr>
+            <a:picLocks noGrp="1" noChangeAspect="1"/>
+          </p:cNvPicPr>
+          <p:nvPr>
             <p:ph idx="1"/>
           </p:nvPr>
-        </p:nvSpPr>
+        </p:nvPicPr>
+        <p:blipFill>
+          <a:blip r:embed="rId2">
+            <a:extLst>
+              <a:ext uri="{28A0092B-C50C-407E-A947-70E740481C1C}">
+                <a14:useLocalDpi xmlns:a14="http://schemas.microsoft.com/office/drawing/2010/main" val="0"/>
+              </a:ext>
+            </a:extLst>
+          </a:blip>
+          <a:stretch>
+            <a:fillRect/>
+          </a:stretch>
+        </p:blipFill>
         <p:spPr>
           <a:xfrm>
-            <a:off x="838200" y="368968"/>
-            <a:ext cx="10515600" cy="5807995"/>
+            <a:off x="1833588" y="1331119"/>
+            <a:ext cx="7608992" cy="5260990"/>
           </a:xfrm>
         </p:spPr>
-        <p:txBody>
-          <a:bodyPr>
-            <a:normAutofit/>
-          </a:bodyPr>
-          <a:lstStyle/>
-          <a:p>
-            <a:pPr marL="0" indent="0">
-              <a:buNone/>
-            </a:pPr>
-            <a:endParaRPr lang="es-CO" sz="7200" b="1" dirty="0"/>
-          </a:p>
-          <a:p>
-            <a:pPr marL="0" indent="0">
-              <a:buNone/>
-            </a:pPr>
-            <a:endParaRPr lang="es-CO" sz="7200" b="1" dirty="0"/>
-          </a:p>
-          <a:p>
-            <a:pPr marL="0" indent="0" algn="ctr">
-              <a:buNone/>
-            </a:pPr>
-            <a:r>
-              <a:rPr lang="es-CO" sz="7200" b="1" dirty="0"/>
-              <a:t>Procesos principales </a:t>
-            </a:r>
-            <a:endParaRPr lang="es-CO" sz="7200" dirty="0"/>
-          </a:p>
-        </p:txBody>
-      </p:sp>
+      </p:pic>
     </p:spTree>
     <p:extLst>
       <p:ext uri="{BB962C8B-B14F-4D97-AF65-F5344CB8AC3E}">
-        <p14:creationId xmlns:p14="http://schemas.microsoft.com/office/powerpoint/2010/main" val="1266524495"/>
+        <p14:creationId xmlns:p14="http://schemas.microsoft.com/office/powerpoint/2010/main" val="1526354759"/>
       </p:ext>
     </p:extLst>
   </p:cSld>
   <p:clrMapOvr>
     <a:masterClrMapping/>
   </p:clrMapOvr>
-  <mc:AlternateContent xmlns:mc="http://schemas.openxmlformats.org/markup-compatibility/2006" xmlns:p15="http://schemas.microsoft.com/office/powerpoint/2012/main">
-    <mc:Choice Requires="p15">
-      <p:transition xmlns:p14="http://schemas.microsoft.com/office/powerpoint/2010/main" spd="slow" p14:dur="2000">
-        <p15:prstTrans prst="wind"/>
-      </p:transition>
-    </mc:Choice>
-    <mc:Fallback xmlns="">
-      <p:transition spd="slow">
-        <p:fade/>
-      </p:transition>
-    </mc:Fallback>
-  </mc:AlternateContent>
 </p:sld>
 </file>
 
